--- a/computer_science/computer_environment/ce_lesson_000_introduction.pptx
+++ b/computer_science/computer_environment/ce_lesson_000_introduction.pptx
@@ -5,12 +5,11 @@
     <p:sldMasterId id="2147483648" r:id="rId1"/>
   </p:sldMasterIdLst>
   <p:notesMasterIdLst>
-    <p:notesMasterId r:id="rId5"/>
+    <p:notesMasterId r:id="rId4"/>
   </p:notesMasterIdLst>
   <p:sldIdLst>
     <p:sldId id="256" r:id="rId2"/>
     <p:sldId id="257" r:id="rId3"/>
-    <p:sldId id="258" r:id="rId4"/>
   </p:sldIdLst>
   <p:sldSz cx="9144000" cy="6858000" type="screen4x3"/>
   <p:notesSz cx="6858000" cy="9144000"/>
@@ -245,7 +244,7 @@
   </p:defaultTextStyle>
   <p:extLst>
     <p:ext uri="{EFAFB233-063F-42B5-8137-9DF3F51BA10A}">
-      <p15:sldGuideLst xmlns="" xmlns:mc="http://schemas.openxmlformats.org/markup-compatibility/2006" xmlns:mv="urn:schemas-microsoft-com:mac:vml" xmlns:c="http://schemas.openxmlformats.org/drawingml/2006/chart" xmlns:dgm="http://schemas.openxmlformats.org/drawingml/2006/diagram" xmlns:o="urn:schemas-microsoft-com:office:office" xmlns:v="urn:schemas-microsoft-com:vml" xmlns:pvml="urn:schemas-microsoft-com:office:powerpoint" xmlns:com="http://schemas.openxmlformats.org/drawingml/2006/compatibility" xmlns:p14="http://schemas.microsoft.com/office/powerpoint/2010/main" xmlns:p15="http://schemas.microsoft.com/office/powerpoint/2012/main" xmlns:ahyp="http://schemas.microsoft.com/office/drawing/2018/hyperlinkcolor">
+      <p15:sldGuideLst xmlns:ahyp="http://schemas.microsoft.com/office/drawing/2018/hyperlinkcolor" xmlns:p15="http://schemas.microsoft.com/office/powerpoint/2012/main" xmlns:p14="http://schemas.microsoft.com/office/powerpoint/2010/main" xmlns:com="http://schemas.openxmlformats.org/drawingml/2006/compatibility" xmlns:pvml="urn:schemas-microsoft-com:office:powerpoint" xmlns:v="urn:schemas-microsoft-com:vml" xmlns:o="urn:schemas-microsoft-com:office:office" xmlns:dgm="http://schemas.openxmlformats.org/drawingml/2006/diagram" xmlns:c="http://schemas.openxmlformats.org/drawingml/2006/chart" xmlns:mv="urn:schemas-microsoft-com:mac:vml" xmlns:mc="http://schemas.openxmlformats.org/markup-compatibility/2006" xmlns="">
         <p15:guide id="1" orient="horz" pos="2160">
           <p15:clr>
             <a:srgbClr val="000000"/>
@@ -259,7 +258,7 @@
       </p15:sldGuideLst>
     </p:ext>
     <p:ext uri="{2D200454-40CA-4A62-9FC3-DE9A4176ACB9}">
-      <p15:notesGuideLst xmlns="" xmlns:mc="http://schemas.openxmlformats.org/markup-compatibility/2006" xmlns:mv="urn:schemas-microsoft-com:mac:vml" xmlns:c="http://schemas.openxmlformats.org/drawingml/2006/chart" xmlns:dgm="http://schemas.openxmlformats.org/drawingml/2006/diagram" xmlns:o="urn:schemas-microsoft-com:office:office" xmlns:v="urn:schemas-microsoft-com:vml" xmlns:pvml="urn:schemas-microsoft-com:office:powerpoint" xmlns:com="http://schemas.openxmlformats.org/drawingml/2006/compatibility" xmlns:p14="http://schemas.microsoft.com/office/powerpoint/2010/main" xmlns:p15="http://schemas.microsoft.com/office/powerpoint/2012/main" xmlns:ahyp="http://schemas.microsoft.com/office/drawing/2018/hyperlinkcolor">
+      <p15:notesGuideLst xmlns:ahyp="http://schemas.microsoft.com/office/drawing/2018/hyperlinkcolor" xmlns:p15="http://schemas.microsoft.com/office/powerpoint/2012/main" xmlns:p14="http://schemas.microsoft.com/office/powerpoint/2010/main" xmlns:com="http://schemas.openxmlformats.org/drawingml/2006/compatibility" xmlns:pvml="urn:schemas-microsoft-com:office:powerpoint" xmlns:v="urn:schemas-microsoft-com:vml" xmlns:o="urn:schemas-microsoft-com:office:office" xmlns:dgm="http://schemas.openxmlformats.org/drawingml/2006/diagram" xmlns:c="http://schemas.openxmlformats.org/drawingml/2006/chart" xmlns:mv="urn:schemas-microsoft-com:mac:vml" xmlns:mc="http://schemas.openxmlformats.org/markup-compatibility/2006" xmlns="">
         <p15:guide id="1" orient="horz" pos="2880">
           <p15:clr>
             <a:srgbClr val="000000"/>
@@ -273,7 +272,7 @@
       </p15:notesGuideLst>
     </p:ext>
     <p:ext uri="http://customooxmlschemas.google.com/">
-      <go:slidesCustomData xmlns="" xmlns:mc="http://schemas.openxmlformats.org/markup-compatibility/2006" xmlns:mv="urn:schemas-microsoft-com:mac:vml" xmlns:c="http://schemas.openxmlformats.org/drawingml/2006/chart" xmlns:dgm="http://schemas.openxmlformats.org/drawingml/2006/diagram" xmlns:o="urn:schemas-microsoft-com:office:office" xmlns:v="urn:schemas-microsoft-com:vml" xmlns:pvml="urn:schemas-microsoft-com:office:powerpoint" xmlns:com="http://schemas.openxmlformats.org/drawingml/2006/compatibility" xmlns:p14="http://schemas.microsoft.com/office/powerpoint/2010/main" xmlns:p15="http://schemas.microsoft.com/office/powerpoint/2012/main" xmlns:ahyp="http://schemas.microsoft.com/office/drawing/2018/hyperlinkcolor" xmlns:go="http://customooxmlschemas.google.com/" r:id="rId9" roundtripDataSignature="AMtx7mglaxPUjaZppqz2fmE2OKC4GX262Q=="/>
+      <go:slidesCustomData xmlns:go="http://customooxmlschemas.google.com/" xmlns:ahyp="http://schemas.microsoft.com/office/drawing/2018/hyperlinkcolor" xmlns:p15="http://schemas.microsoft.com/office/powerpoint/2012/main" xmlns:p14="http://schemas.microsoft.com/office/powerpoint/2010/main" xmlns:com="http://schemas.openxmlformats.org/drawingml/2006/compatibility" xmlns:pvml="urn:schemas-microsoft-com:office:powerpoint" xmlns:v="urn:schemas-microsoft-com:vml" xmlns:o="urn:schemas-microsoft-com:office:office" xmlns:dgm="http://schemas.openxmlformats.org/drawingml/2006/diagram" xmlns:c="http://schemas.openxmlformats.org/drawingml/2006/chart" xmlns:mv="urn:schemas-microsoft-com:mac:vml" xmlns:mc="http://schemas.openxmlformats.org/markup-compatibility/2006" xmlns="" r:id="rId9" roundtripDataSignature="AMtx7mglaxPUjaZppqz2fmE2OKC4GX262Q=="/>
     </p:ext>
   </p:extLst>
 </p:presentation>
@@ -2068,178 +2067,6 @@
             <a:fld id="{00000000-1234-1234-1234-123412341234}" type="slidenum">
               <a:rPr lang="en-US"/>
               <a:t>2</a:t>
-            </a:fld>
-            <a:endParaRPr/>
-          </a:p>
-        </p:txBody>
-      </p:sp>
-    </p:spTree>
-  </p:cSld>
-  <p:clrMapOvr>
-    <a:masterClrMapping/>
-  </p:clrMapOvr>
-</p:notes>
-</file>
-
-<file path=ppt/notesSlides/notesSlide3.xml><?xml version="1.0" encoding="utf-8"?>
-<p:notes xmlns:a="http://schemas.openxmlformats.org/drawingml/2006/main" xmlns:r="http://schemas.openxmlformats.org/officeDocument/2006/relationships" xmlns:p="http://schemas.openxmlformats.org/presentationml/2006/main" showMasterSp="0" showMasterPhAnim="0">
-  <p:cSld>
-    <p:spTree>
-      <p:nvGrpSpPr>
-        <p:cNvPr id="1" name="Shape 100"/>
-        <p:cNvGrpSpPr/>
-        <p:nvPr/>
-      </p:nvGrpSpPr>
-      <p:grpSpPr>
-        <a:xfrm>
-          <a:off x="0" y="0"/>
-          <a:ext cx="0" cy="0"/>
-          <a:chOff x="0" y="0"/>
-          <a:chExt cx="0" cy="0"/>
-        </a:xfrm>
-      </p:grpSpPr>
-      <p:sp>
-        <p:nvSpPr>
-          <p:cNvPr id="101" name="Google Shape;101;ga62b594fff_0_0:notes"/>
-          <p:cNvSpPr>
-            <a:spLocks noGrp="1" noRot="1" noChangeAspect="1"/>
-          </p:cNvSpPr>
-          <p:nvPr>
-            <p:ph type="sldImg" idx="2"/>
-          </p:nvPr>
-        </p:nvSpPr>
-        <p:spPr>
-          <a:xfrm>
-            <a:off x="1143000" y="685800"/>
-            <a:ext cx="4572000" cy="3429000"/>
-          </a:xfrm>
-          <a:custGeom>
-            <a:avLst/>
-            <a:gdLst/>
-            <a:ahLst/>
-            <a:cxnLst/>
-            <a:rect l="l" t="t" r="r" b="b"/>
-            <a:pathLst>
-              <a:path w="120000" h="120000" extrusionOk="0">
-                <a:moveTo>
-                  <a:pt x="0" y="0"/>
-                </a:moveTo>
-                <a:lnTo>
-                  <a:pt x="120000" y="0"/>
-                </a:lnTo>
-                <a:lnTo>
-                  <a:pt x="120000" y="120000"/>
-                </a:lnTo>
-                <a:lnTo>
-                  <a:pt x="0" y="120000"/>
-                </a:lnTo>
-                <a:close/>
-              </a:path>
-            </a:pathLst>
-          </a:custGeom>
-          <a:noFill/>
-          <a:ln w="12700" cap="flat" cmpd="sng">
-            <a:solidFill>
-              <a:srgbClr val="000000"/>
-            </a:solidFill>
-            <a:prstDash val="solid"/>
-            <a:round/>
-            <a:headEnd type="none" w="sm" len="sm"/>
-            <a:tailEnd type="none" w="sm" len="sm"/>
-          </a:ln>
-        </p:spPr>
-      </p:sp>
-      <p:sp>
-        <p:nvSpPr>
-          <p:cNvPr id="102" name="Google Shape;102;ga62b594fff_0_0:notes"/>
-          <p:cNvSpPr txBox="1">
-            <a:spLocks noGrp="1"/>
-          </p:cNvSpPr>
-          <p:nvPr>
-            <p:ph type="body" idx="1"/>
-          </p:nvPr>
-        </p:nvSpPr>
-        <p:spPr>
-          <a:xfrm>
-            <a:off x="685800" y="4343400"/>
-            <a:ext cx="5486400" cy="4114800"/>
-          </a:xfrm>
-          <a:prstGeom prst="rect">
-            <a:avLst/>
-          </a:prstGeom>
-          <a:noFill/>
-          <a:ln>
-            <a:noFill/>
-          </a:ln>
-        </p:spPr>
-        <p:txBody>
-          <a:bodyPr spcFirstLastPara="1" wrap="square" lIns="91425" tIns="45700" rIns="91425" bIns="45700" anchor="t" anchorCtr="0">
-            <a:noAutofit/>
-          </a:bodyPr>
-          <a:lstStyle/>
-          <a:p>
-            <a:pPr marL="0" lvl="0" indent="0" algn="l" rtl="0">
-              <a:lnSpc>
-                <a:spcPct val="100000"/>
-              </a:lnSpc>
-              <a:spcBef>
-                <a:spcPts val="0"/>
-              </a:spcBef>
-              <a:spcAft>
-                <a:spcPts val="0"/>
-              </a:spcAft>
-              <a:buSzPts val="1400"/>
-              <a:buNone/>
-            </a:pPr>
-            <a:endParaRPr/>
-          </a:p>
-        </p:txBody>
-      </p:sp>
-      <p:sp>
-        <p:nvSpPr>
-          <p:cNvPr id="103" name="Google Shape;103;ga62b594fff_0_0:notes"/>
-          <p:cNvSpPr txBox="1">
-            <a:spLocks noGrp="1"/>
-          </p:cNvSpPr>
-          <p:nvPr>
-            <p:ph type="sldNum" idx="12"/>
-          </p:nvPr>
-        </p:nvSpPr>
-        <p:spPr>
-          <a:xfrm>
-            <a:off x="3884613" y="8685213"/>
-            <a:ext cx="2971800" cy="457200"/>
-          </a:xfrm>
-          <a:prstGeom prst="rect">
-            <a:avLst/>
-          </a:prstGeom>
-          <a:noFill/>
-          <a:ln>
-            <a:noFill/>
-          </a:ln>
-        </p:spPr>
-        <p:txBody>
-          <a:bodyPr spcFirstLastPara="1" wrap="square" lIns="91425" tIns="45700" rIns="91425" bIns="45700" anchor="b" anchorCtr="0">
-            <a:noAutofit/>
-          </a:bodyPr>
-          <a:lstStyle/>
-          <a:p>
-            <a:pPr marL="0" lvl="0" indent="0" algn="r" rtl="0">
-              <a:lnSpc>
-                <a:spcPct val="100000"/>
-              </a:lnSpc>
-              <a:spcBef>
-                <a:spcPts val="0"/>
-              </a:spcBef>
-              <a:spcAft>
-                <a:spcPts val="0"/>
-              </a:spcAft>
-              <a:buSzPts val="1400"/>
-              <a:buNone/>
-            </a:pPr>
-            <a:fld id="{00000000-1234-1234-1234-123412341234}" type="slidenum">
-              <a:rPr lang="en-US"/>
-              <a:t>3</a:t>
             </a:fld>
             <a:endParaRPr/>
           </a:p>
@@ -16507,273 +16334,6 @@
 </p:sld>
 </file>
 
-<file path=ppt/slides/slide3.xml><?xml version="1.0" encoding="utf-8"?>
-<p:sld xmlns:a="http://schemas.openxmlformats.org/drawingml/2006/main" xmlns:r="http://schemas.openxmlformats.org/officeDocument/2006/relationships" xmlns:p="http://schemas.openxmlformats.org/presentationml/2006/main">
-  <p:cSld>
-    <p:spTree>
-      <p:nvGrpSpPr>
-        <p:cNvPr id="1" name="Shape 104"/>
-        <p:cNvGrpSpPr/>
-        <p:nvPr/>
-      </p:nvGrpSpPr>
-      <p:grpSpPr>
-        <a:xfrm>
-          <a:off x="0" y="0"/>
-          <a:ext cx="0" cy="0"/>
-          <a:chOff x="0" y="0"/>
-          <a:chExt cx="0" cy="0"/>
-        </a:xfrm>
-      </p:grpSpPr>
-      <p:sp>
-        <p:nvSpPr>
-          <p:cNvPr id="105" name="Google Shape;105;ga62b594fff_0_0"/>
-          <p:cNvSpPr txBox="1">
-            <a:spLocks noGrp="1"/>
-          </p:cNvSpPr>
-          <p:nvPr>
-            <p:ph type="title" idx="4294967295"/>
-          </p:nvPr>
-        </p:nvSpPr>
-        <p:spPr>
-          <a:xfrm>
-            <a:off x="0" y="0"/>
-            <a:ext cx="9144000" cy="1143000"/>
-          </a:xfrm>
-          <a:prstGeom prst="rect">
-            <a:avLst/>
-          </a:prstGeom>
-          <a:noFill/>
-          <a:ln>
-            <a:noFill/>
-          </a:ln>
-        </p:spPr>
-        <p:txBody>
-          <a:bodyPr spcFirstLastPara="1" wrap="square" lIns="91425" tIns="45700" rIns="91425" bIns="45700" anchor="ctr" anchorCtr="0">
-            <a:noAutofit/>
-          </a:bodyPr>
-          <a:lstStyle/>
-          <a:p>
-            <a:pPr marL="0" lvl="0" indent="0" algn="ctr" rtl="0">
-              <a:lnSpc>
-                <a:spcPct val="100000"/>
-              </a:lnSpc>
-              <a:spcBef>
-                <a:spcPts val="0"/>
-              </a:spcBef>
-              <a:spcAft>
-                <a:spcPts val="0"/>
-              </a:spcAft>
-              <a:buClr>
-                <a:schemeClr val="dk1"/>
-              </a:buClr>
-              <a:buSzPts val="4000"/>
-              <a:buFont typeface="Calibri"/>
-              <a:buNone/>
-            </a:pPr>
-            <a:r>
-              <a:rPr lang="en-US" sz="4000"/>
-              <a:t>Computer Science</a:t>
-            </a:r>
-            <a:endParaRPr sz="4000"/>
-          </a:p>
-        </p:txBody>
-      </p:sp>
-      <p:sp>
-        <p:nvSpPr>
-          <p:cNvPr id="106" name="Google Shape;106;ga62b594fff_0_0"/>
-          <p:cNvSpPr txBox="1"/>
-          <p:nvPr/>
-        </p:nvSpPr>
-        <p:spPr>
-          <a:xfrm>
-            <a:off x="232800" y="1257500"/>
-            <a:ext cx="8678400" cy="4623600"/>
-          </a:xfrm>
-          <a:prstGeom prst="rect">
-            <a:avLst/>
-          </a:prstGeom>
-          <a:noFill/>
-          <a:ln>
-            <a:noFill/>
-          </a:ln>
-        </p:spPr>
-        <p:txBody>
-          <a:bodyPr spcFirstLastPara="1" wrap="square" lIns="91425" tIns="45700" rIns="91425" bIns="45700" anchor="t" anchorCtr="0">
-            <a:noAutofit/>
-          </a:bodyPr>
-          <a:lstStyle/>
-          <a:p>
-            <a:pPr marL="457200" marR="0" lvl="1" indent="0" algn="ctr" rtl="0">
-              <a:lnSpc>
-                <a:spcPct val="100000"/>
-              </a:lnSpc>
-              <a:spcBef>
-                <a:spcPts val="0"/>
-              </a:spcBef>
-              <a:spcAft>
-                <a:spcPts val="0"/>
-              </a:spcAft>
-              <a:buClr>
-                <a:schemeClr val="dk1"/>
-              </a:buClr>
-              <a:buSzPts val="3200"/>
-              <a:buFont typeface="Arial"/>
-              <a:buNone/>
-            </a:pPr>
-            <a:r>
-              <a:rPr lang="en-US" sz="3200">
-                <a:solidFill>
-                  <a:schemeClr val="dk1"/>
-                </a:solidFill>
-                <a:latin typeface="Calibri"/>
-                <a:ea typeface="Calibri"/>
-                <a:cs typeface="Calibri"/>
-                <a:sym typeface="Calibri"/>
-              </a:rPr>
-              <a:t>To be a above average programming than anyone else, one should not only learn purly only on how to code, but learn lot of other topics such as math, physics, computer os, computer hardware and many more which is not really important but related.</a:t>
-            </a:r>
-            <a:endParaRPr sz="3200">
-              <a:solidFill>
-                <a:schemeClr val="dk1"/>
-              </a:solidFill>
-              <a:latin typeface="Calibri"/>
-              <a:ea typeface="Calibri"/>
-              <a:cs typeface="Calibri"/>
-              <a:sym typeface="Calibri"/>
-            </a:endParaRPr>
-          </a:p>
-          <a:p>
-            <a:pPr marL="457200" marR="0" lvl="1" indent="0" algn="ctr" rtl="0">
-              <a:lnSpc>
-                <a:spcPct val="100000"/>
-              </a:lnSpc>
-              <a:spcBef>
-                <a:spcPts val="0"/>
-              </a:spcBef>
-              <a:spcAft>
-                <a:spcPts val="0"/>
-              </a:spcAft>
-              <a:buClr>
-                <a:schemeClr val="dk1"/>
-              </a:buClr>
-              <a:buSzPts val="3200"/>
-              <a:buFont typeface="Arial"/>
-              <a:buNone/>
-            </a:pPr>
-            <a:endParaRPr sz="3200">
-              <a:solidFill>
-                <a:schemeClr val="dk1"/>
-              </a:solidFill>
-              <a:latin typeface="Calibri"/>
-              <a:ea typeface="Calibri"/>
-              <a:cs typeface="Calibri"/>
-              <a:sym typeface="Calibri"/>
-            </a:endParaRPr>
-          </a:p>
-          <a:p>
-            <a:pPr marL="457200" marR="0" lvl="1" indent="0" algn="ctr" rtl="0">
-              <a:lnSpc>
-                <a:spcPct val="100000"/>
-              </a:lnSpc>
-              <a:spcBef>
-                <a:spcPts val="0"/>
-              </a:spcBef>
-              <a:spcAft>
-                <a:spcPts val="0"/>
-              </a:spcAft>
-              <a:buClr>
-                <a:schemeClr val="dk1"/>
-              </a:buClr>
-              <a:buSzPts val="3200"/>
-              <a:buFont typeface="Arial"/>
-              <a:buNone/>
-            </a:pPr>
-            <a:r>
-              <a:rPr lang="en-US" sz="3200">
-                <a:solidFill>
-                  <a:schemeClr val="dk1"/>
-                </a:solidFill>
-                <a:latin typeface="Calibri"/>
-                <a:ea typeface="Calibri"/>
-                <a:cs typeface="Calibri"/>
-                <a:sym typeface="Calibri"/>
-              </a:rPr>
-              <a:t>So to be able to understand more in the scope of programming.</a:t>
-            </a:r>
-            <a:endParaRPr sz="3200">
-              <a:solidFill>
-                <a:schemeClr val="dk1"/>
-              </a:solidFill>
-              <a:latin typeface="Calibri"/>
-              <a:ea typeface="Calibri"/>
-              <a:cs typeface="Calibri"/>
-              <a:sym typeface="Calibri"/>
-            </a:endParaRPr>
-          </a:p>
-        </p:txBody>
-      </p:sp>
-      <p:sp>
-        <p:nvSpPr>
-          <p:cNvPr id="107" name="Google Shape;107;ga62b594fff_0_0"/>
-          <p:cNvSpPr txBox="1">
-            <a:spLocks noGrp="1"/>
-          </p:cNvSpPr>
-          <p:nvPr>
-            <p:ph type="sldNum" idx="12"/>
-          </p:nvPr>
-        </p:nvSpPr>
-        <p:spPr>
-          <a:xfrm>
-            <a:off x="6553200" y="6356350"/>
-            <a:ext cx="2133600" cy="365100"/>
-          </a:xfrm>
-          <a:prstGeom prst="rect">
-            <a:avLst/>
-          </a:prstGeom>
-          <a:noFill/>
-          <a:ln>
-            <a:noFill/>
-          </a:ln>
-        </p:spPr>
-        <p:txBody>
-          <a:bodyPr spcFirstLastPara="1" wrap="square" lIns="91425" tIns="45700" rIns="91425" bIns="45700" anchor="ctr" anchorCtr="0">
-            <a:noAutofit/>
-          </a:bodyPr>
-          <a:lstStyle/>
-          <a:p>
-            <a:pPr marL="0" lvl="0" indent="0" algn="r" rtl="0">
-              <a:lnSpc>
-                <a:spcPct val="100000"/>
-              </a:lnSpc>
-              <a:spcBef>
-                <a:spcPts val="0"/>
-              </a:spcBef>
-              <a:spcAft>
-                <a:spcPts val="0"/>
-              </a:spcAft>
-              <a:buClr>
-                <a:srgbClr val="000000"/>
-              </a:buClr>
-              <a:buSzPts val="1200"/>
-              <a:buFont typeface="Arial"/>
-              <a:buNone/>
-            </a:pPr>
-            <a:fld id="{00000000-1234-1234-1234-123412341234}" type="slidenum">
-              <a:rPr lang="en-US"/>
-              <a:t>3</a:t>
-            </a:fld>
-            <a:endParaRPr/>
-          </a:p>
-        </p:txBody>
-      </p:sp>
-    </p:spTree>
-  </p:cSld>
-  <p:clrMapOvr>
-    <a:masterClrMapping/>
-  </p:clrMapOvr>
-</p:sld>
-</file>
-
 <file path=ppt/theme/theme1.xml><?xml version="1.0" encoding="utf-8"?>
 <a:theme xmlns:a="http://schemas.openxmlformats.org/drawingml/2006/main" name="Office Theme">
   <a:themeElements>
